--- a/tutorials/pipelines/tut_nn_con_bud_cla/vector files/fig07_big.pptx
+++ b/tutorials/pipelines/tut_nn_con_bud_cla/vector files/fig07_big.pptx
@@ -243,7 +243,7 @@
           <a:p>
             <a:fld id="{CA1BB51F-BFC6-4DD3-8C2A-5B21FD6F69C3}" type="datetimeFigureOut">
               <a:rPr lang="en-SE" smtClean="0"/>
-              <a:t>10/01/2023</a:t>
+              <a:t>2023-10-08</a:t>
             </a:fld>
             <a:endParaRPr lang="en-SE"/>
           </a:p>
@@ -413,7 +413,7 @@
           <a:p>
             <a:fld id="{CA1BB51F-BFC6-4DD3-8C2A-5B21FD6F69C3}" type="datetimeFigureOut">
               <a:rPr lang="en-SE" smtClean="0"/>
-              <a:t>10/01/2023</a:t>
+              <a:t>2023-10-08</a:t>
             </a:fld>
             <a:endParaRPr lang="en-SE"/>
           </a:p>
@@ -593,7 +593,7 @@
           <a:p>
             <a:fld id="{CA1BB51F-BFC6-4DD3-8C2A-5B21FD6F69C3}" type="datetimeFigureOut">
               <a:rPr lang="en-SE" smtClean="0"/>
-              <a:t>10/01/2023</a:t>
+              <a:t>2023-10-08</a:t>
             </a:fld>
             <a:endParaRPr lang="en-SE"/>
           </a:p>
@@ -763,7 +763,7 @@
           <a:p>
             <a:fld id="{CA1BB51F-BFC6-4DD3-8C2A-5B21FD6F69C3}" type="datetimeFigureOut">
               <a:rPr lang="en-SE" smtClean="0"/>
-              <a:t>10/01/2023</a:t>
+              <a:t>2023-10-08</a:t>
             </a:fld>
             <a:endParaRPr lang="en-SE"/>
           </a:p>
@@ -1009,7 +1009,7 @@
           <a:p>
             <a:fld id="{CA1BB51F-BFC6-4DD3-8C2A-5B21FD6F69C3}" type="datetimeFigureOut">
               <a:rPr lang="en-SE" smtClean="0"/>
-              <a:t>10/01/2023</a:t>
+              <a:t>2023-10-08</a:t>
             </a:fld>
             <a:endParaRPr lang="en-SE"/>
           </a:p>
@@ -1241,7 +1241,7 @@
           <a:p>
             <a:fld id="{CA1BB51F-BFC6-4DD3-8C2A-5B21FD6F69C3}" type="datetimeFigureOut">
               <a:rPr lang="en-SE" smtClean="0"/>
-              <a:t>10/01/2023</a:t>
+              <a:t>2023-10-08</a:t>
             </a:fld>
             <a:endParaRPr lang="en-SE"/>
           </a:p>
@@ -1608,7 +1608,7 @@
           <a:p>
             <a:fld id="{CA1BB51F-BFC6-4DD3-8C2A-5B21FD6F69C3}" type="datetimeFigureOut">
               <a:rPr lang="en-SE" smtClean="0"/>
-              <a:t>10/01/2023</a:t>
+              <a:t>2023-10-08</a:t>
             </a:fld>
             <a:endParaRPr lang="en-SE"/>
           </a:p>
@@ -1726,7 +1726,7 @@
           <a:p>
             <a:fld id="{CA1BB51F-BFC6-4DD3-8C2A-5B21FD6F69C3}" type="datetimeFigureOut">
               <a:rPr lang="en-SE" smtClean="0"/>
-              <a:t>10/01/2023</a:t>
+              <a:t>2023-10-08</a:t>
             </a:fld>
             <a:endParaRPr lang="en-SE"/>
           </a:p>
@@ -1821,7 +1821,7 @@
           <a:p>
             <a:fld id="{CA1BB51F-BFC6-4DD3-8C2A-5B21FD6F69C3}" type="datetimeFigureOut">
               <a:rPr lang="en-SE" smtClean="0"/>
-              <a:t>10/01/2023</a:t>
+              <a:t>2023-10-08</a:t>
             </a:fld>
             <a:endParaRPr lang="en-SE"/>
           </a:p>
@@ -2098,7 +2098,7 @@
           <a:p>
             <a:fld id="{CA1BB51F-BFC6-4DD3-8C2A-5B21FD6F69C3}" type="datetimeFigureOut">
               <a:rPr lang="en-SE" smtClean="0"/>
-              <a:t>10/01/2023</a:t>
+              <a:t>2023-10-08</a:t>
             </a:fld>
             <a:endParaRPr lang="en-SE"/>
           </a:p>
@@ -2355,7 +2355,7 @@
           <a:p>
             <a:fld id="{CA1BB51F-BFC6-4DD3-8C2A-5B21FD6F69C3}" type="datetimeFigureOut">
               <a:rPr lang="en-SE" smtClean="0"/>
-              <a:t>10/01/2023</a:t>
+              <a:t>2023-10-08</a:t>
             </a:fld>
             <a:endParaRPr lang="en-SE"/>
           </a:p>
@@ -2568,7 +2568,7 @@
           <a:p>
             <a:fld id="{CA1BB51F-BFC6-4DD3-8C2A-5B21FD6F69C3}" type="datetimeFigureOut">
               <a:rPr lang="en-SE" smtClean="0"/>
-              <a:t>10/01/2023</a:t>
+              <a:t>2023-10-08</a:t>
             </a:fld>
             <a:endParaRPr lang="en-SE"/>
           </a:p>
@@ -2975,30 +2975,32 @@
       </p:grpSpPr>
       <p:grpSp>
         <p:nvGrpSpPr>
-          <p:cNvPr id="10" name="Group 9">
+          <p:cNvPr id="12" name="Group 11">
             <a:extLst>
               <a:ext uri="{FF2B5EF4-FFF2-40B4-BE49-F238E27FC236}">
-                <a16:creationId xmlns:a16="http://schemas.microsoft.com/office/drawing/2014/main" id="{09DCB40F-DB83-5F91-B912-941B3809AD4F}"/>
+                <a16:creationId xmlns:a16="http://schemas.microsoft.com/office/drawing/2014/main" id="{4DCE9079-BD43-81EA-BF4E-87298E19DDD0}"/>
               </a:ext>
             </a:extLst>
           </p:cNvPr>
-          <p:cNvGrpSpPr/>
+          <p:cNvGrpSpPr>
+            <a:grpSpLocks noChangeAspect="1"/>
+          </p:cNvGrpSpPr>
           <p:nvPr/>
         </p:nvGrpSpPr>
         <p:grpSpPr>
           <a:xfrm>
             <a:off x="0" y="0"/>
-            <a:ext cx="8778875" cy="6684380"/>
-            <a:chOff x="274206" y="0"/>
-            <a:chExt cx="6491054" cy="5486400"/>
+            <a:ext cx="8778875" cy="5675914"/>
+            <a:chOff x="0" y="0"/>
+            <a:chExt cx="8485755" cy="5486400"/>
           </a:xfrm>
         </p:grpSpPr>
         <p:pic>
           <p:nvPicPr>
-            <p:cNvPr id="9" name="Picture 8">
+            <p:cNvPr id="3" name="Picture 2">
               <a:extLst>
                 <a:ext uri="{FF2B5EF4-FFF2-40B4-BE49-F238E27FC236}">
-                  <a16:creationId xmlns:a16="http://schemas.microsoft.com/office/drawing/2014/main" id="{FACC149E-5B08-30C0-7D8D-BF6B10B5AB3F}"/>
+                  <a16:creationId xmlns:a16="http://schemas.microsoft.com/office/drawing/2014/main" id="{1C664A7B-8038-C605-F0CB-5AF7BFD4D522}"/>
                 </a:ext>
               </a:extLst>
             </p:cNvPr>
@@ -3015,8 +3017,8 @@
           </p:blipFill>
           <p:spPr>
             <a:xfrm>
-              <a:off x="4592215" y="0"/>
-              <a:ext cx="2173045" cy="5486400"/>
+              <a:off x="0" y="0"/>
+              <a:ext cx="2743200" cy="5486400"/>
             </a:xfrm>
             <a:prstGeom prst="rect">
               <a:avLst/>
@@ -3025,10 +3027,10 @@
         </p:pic>
         <p:pic>
           <p:nvPicPr>
-            <p:cNvPr id="7" name="Picture 6">
+            <p:cNvPr id="6" name="Picture 5">
               <a:extLst>
                 <a:ext uri="{FF2B5EF4-FFF2-40B4-BE49-F238E27FC236}">
-                  <a16:creationId xmlns:a16="http://schemas.microsoft.com/office/drawing/2014/main" id="{74D153E5-6D02-BDA7-D0D5-83AA927C1405}"/>
+                  <a16:creationId xmlns:a16="http://schemas.microsoft.com/office/drawing/2014/main" id="{2AD86398-8C08-163C-9922-9B5AACB8177A}"/>
                 </a:ext>
               </a:extLst>
             </p:cNvPr>
@@ -3045,8 +3047,8 @@
           </p:blipFill>
           <p:spPr>
             <a:xfrm>
-              <a:off x="2432124" y="0"/>
-              <a:ext cx="2178423" cy="5486400"/>
+              <a:off x="2743200" y="0"/>
+              <a:ext cx="2887293" cy="5486400"/>
             </a:xfrm>
             <a:prstGeom prst="rect">
               <a:avLst/>
@@ -3055,10 +3057,10 @@
         </p:pic>
         <p:pic>
           <p:nvPicPr>
-            <p:cNvPr id="4" name="Picture 3">
+            <p:cNvPr id="11" name="Picture 10">
               <a:extLst>
                 <a:ext uri="{FF2B5EF4-FFF2-40B4-BE49-F238E27FC236}">
-                  <a16:creationId xmlns:a16="http://schemas.microsoft.com/office/drawing/2014/main" id="{4A694E7C-3BEB-3D5D-595D-5C0BBA636A61}"/>
+                  <a16:creationId xmlns:a16="http://schemas.microsoft.com/office/drawing/2014/main" id="{B7FEBCE2-DD25-0AD2-5C66-D7CCAA07A82C}"/>
                 </a:ext>
               </a:extLst>
             </p:cNvPr>
@@ -3075,8 +3077,8 @@
           </p:blipFill>
           <p:spPr>
             <a:xfrm>
-              <a:off x="274206" y="0"/>
-              <a:ext cx="2173045" cy="5486400"/>
+              <a:off x="5598462" y="0"/>
+              <a:ext cx="2887293" cy="5486400"/>
             </a:xfrm>
             <a:prstGeom prst="rect">
               <a:avLst/>
@@ -3100,7 +3102,7 @@
         </p:nvSpPr>
         <p:spPr>
           <a:xfrm>
-            <a:off x="6902917" y="342010"/>
+            <a:off x="7977243" y="342010"/>
             <a:ext cx="508512" cy="508512"/>
           </a:xfrm>
           <a:prstGeom prst="ellipse">
@@ -3165,8 +3167,8 @@
         </p:nvSpPr>
         <p:spPr>
           <a:xfrm>
-            <a:off x="2987702" y="2409825"/>
-            <a:ext cx="2734918" cy="403859"/>
+            <a:off x="2890334" y="2491953"/>
+            <a:ext cx="2785580" cy="403859"/>
           </a:xfrm>
           <a:prstGeom prst="rect">
             <a:avLst/>
@@ -3220,7 +3222,7 @@
         </p:nvSpPr>
         <p:spPr>
           <a:xfrm>
-            <a:off x="4916554" y="2103242"/>
+            <a:off x="4916554" y="2234688"/>
             <a:ext cx="508512" cy="508512"/>
           </a:xfrm>
           <a:prstGeom prst="ellipse">
@@ -3285,8 +3287,8 @@
         </p:nvSpPr>
         <p:spPr>
           <a:xfrm>
-            <a:off x="5901690" y="3531870"/>
-            <a:ext cx="2704080" cy="1259205"/>
+            <a:off x="5838953" y="3404870"/>
+            <a:ext cx="2788579" cy="2081530"/>
           </a:xfrm>
           <a:prstGeom prst="rect">
             <a:avLst/>
@@ -3340,7 +3342,7 @@
         </p:nvSpPr>
         <p:spPr>
           <a:xfrm>
-            <a:off x="7977243" y="3277614"/>
+            <a:off x="7977243" y="3150614"/>
             <a:ext cx="508512" cy="508512"/>
           </a:xfrm>
           <a:prstGeom prst="ellipse">
